--- a/desain/cara kerja algoritma sequence.pptx
+++ b/desain/cara kerja algoritma sequence.pptx
@@ -8,6 +8,9 @@
     <p:sldId id="256" r:id="rId2"/>
     <p:sldId id="257" r:id="rId3"/>
     <p:sldId id="258" r:id="rId4"/>
+    <p:sldId id="259" r:id="rId5"/>
+    <p:sldId id="260" r:id="rId6"/>
+    <p:sldId id="261" r:id="rId7"/>
   </p:sldIdLst>
   <p:sldSz cx="12192000" cy="6858000"/>
   <p:notesSz cx="6858000" cy="9144000"/>
@@ -106,6 +109,11 @@
       </a:defRPr>
     </a:lvl9pPr>
   </p:defaultTextStyle>
+  <p:extLst>
+    <p:ext uri="{EFAFB233-063F-42B5-8137-9DF3F51BA10A}">
+      <p15:sldGuideLst xmlns:p15="http://schemas.microsoft.com/office/powerpoint/2012/main"/>
+    </p:ext>
+  </p:extLst>
 </p:presentation>
 </file>
 
@@ -3588,7 +3596,14 @@
           <a:bodyPr/>
           <a:lstStyle/>
           <a:p>
-            <a:endParaRPr lang="en-GB"/>
+            <a:r>
+              <a:rPr lang="en-GB" dirty="0" err="1"/>
+              <a:t>Referensi</a:t>
+            </a:r>
+            <a:r>
+              <a:rPr lang="en-GB" dirty="0"/>
+              <a:t> 1</a:t>
+            </a:r>
           </a:p>
         </p:txBody>
       </p:sp>
@@ -3613,14 +3628,804 @@
           <a:bodyPr/>
           <a:lstStyle/>
           <a:p>
-            <a:endParaRPr lang="en-GB"/>
-          </a:p>
-        </p:txBody>
-      </p:sp>
+            <a:pPr marL="0" indent="0">
+              <a:buNone/>
+            </a:pPr>
+            <a:r>
+              <a:rPr lang="en-US" dirty="0" err="1"/>
+              <a:t>Algoritma</a:t>
+            </a:r>
+            <a:r>
+              <a:rPr lang="en-US" dirty="0"/>
+              <a:t> </a:t>
+            </a:r>
+            <a:r>
+              <a:rPr lang="en-US" dirty="0" err="1"/>
+              <a:t>pencarian</a:t>
+            </a:r>
+            <a:r>
+              <a:rPr lang="en-US" dirty="0"/>
+              <a:t> </a:t>
+            </a:r>
+            <a:r>
+              <a:rPr lang="en-US" dirty="0" err="1"/>
+              <a:t>Sekuensial</a:t>
+            </a:r>
+            <a:r>
+              <a:rPr lang="en-US" dirty="0"/>
+              <a:t> </a:t>
+            </a:r>
+            <a:r>
+              <a:rPr lang="en-US" dirty="0" err="1"/>
+              <a:t>adalah</a:t>
+            </a:r>
+            <a:r>
+              <a:rPr lang="en-US" dirty="0"/>
+              <a:t> salah </a:t>
+            </a:r>
+            <a:r>
+              <a:rPr lang="en-US" dirty="0" err="1"/>
+              <a:t>satu</a:t>
+            </a:r>
+            <a:r>
+              <a:rPr lang="en-US" dirty="0"/>
+              <a:t> </a:t>
+            </a:r>
+            <a:r>
+              <a:rPr lang="en-US" dirty="0" err="1"/>
+              <a:t>algoritma</a:t>
+            </a:r>
+            <a:r>
+              <a:rPr lang="en-US" dirty="0"/>
+              <a:t> </a:t>
+            </a:r>
+            <a:r>
+              <a:rPr lang="en-US" dirty="0" err="1"/>
+              <a:t>pencarian</a:t>
+            </a:r>
+            <a:r>
+              <a:rPr lang="en-US" dirty="0"/>
+              <a:t> data yang </a:t>
+            </a:r>
+            <a:r>
+              <a:rPr lang="en-US" dirty="0" err="1"/>
+              <a:t>biasa</a:t>
+            </a:r>
+            <a:r>
+              <a:rPr lang="en-US" dirty="0"/>
+              <a:t> </a:t>
+            </a:r>
+            <a:r>
+              <a:rPr lang="en-US" dirty="0" err="1"/>
+              <a:t>digunakan</a:t>
+            </a:r>
+            <a:r>
+              <a:rPr lang="en-US" dirty="0"/>
+              <a:t> </a:t>
+            </a:r>
+            <a:r>
+              <a:rPr lang="en-US" dirty="0" err="1"/>
+              <a:t>untuk</a:t>
+            </a:r>
+            <a:r>
+              <a:rPr lang="en-US" dirty="0"/>
+              <a:t> data yang </a:t>
+            </a:r>
+            <a:r>
+              <a:rPr lang="en-US" dirty="0" err="1"/>
+              <a:t>berpola</a:t>
+            </a:r>
+            <a:r>
+              <a:rPr lang="en-US" dirty="0"/>
+              <a:t> </a:t>
+            </a:r>
+            <a:r>
+              <a:rPr lang="en-US" dirty="0" err="1"/>
+              <a:t>acak</a:t>
+            </a:r>
+            <a:r>
+              <a:rPr lang="en-US" dirty="0"/>
+              <a:t> </a:t>
+            </a:r>
+            <a:r>
+              <a:rPr lang="en-US" dirty="0" err="1"/>
+              <a:t>atau</a:t>
+            </a:r>
+            <a:r>
+              <a:rPr lang="en-US" dirty="0"/>
+              <a:t> </a:t>
+            </a:r>
+            <a:r>
+              <a:rPr lang="en-US" dirty="0" err="1"/>
+              <a:t>belum</a:t>
+            </a:r>
+            <a:r>
+              <a:rPr lang="en-US" dirty="0"/>
+              <a:t> </a:t>
+            </a:r>
+            <a:r>
+              <a:rPr lang="en-US" dirty="0" err="1"/>
+              <a:t>terurut</a:t>
+            </a:r>
+            <a:r>
+              <a:rPr lang="en-US" dirty="0"/>
+              <a:t>. </a:t>
+            </a:r>
+            <a:r>
+              <a:rPr lang="en-US" dirty="0" err="1"/>
+              <a:t>Algoritma</a:t>
+            </a:r>
+            <a:r>
+              <a:rPr lang="en-US" dirty="0"/>
+              <a:t> </a:t>
+            </a:r>
+            <a:r>
+              <a:rPr lang="en-US" dirty="0" err="1"/>
+              <a:t>ini</a:t>
+            </a:r>
+            <a:r>
+              <a:rPr lang="en-US" dirty="0"/>
+              <a:t> </a:t>
+            </a:r>
+            <a:r>
+              <a:rPr lang="en-US" dirty="0" err="1"/>
+              <a:t>akan</a:t>
+            </a:r>
+            <a:r>
+              <a:rPr lang="en-US" dirty="0"/>
+              <a:t> </a:t>
+            </a:r>
+            <a:r>
+              <a:rPr lang="en-US" dirty="0" err="1"/>
+              <a:t>mencari</a:t>
+            </a:r>
+            <a:r>
+              <a:rPr lang="en-US" dirty="0"/>
+              <a:t> data </a:t>
+            </a:r>
+            <a:r>
+              <a:rPr lang="en-US" dirty="0" err="1"/>
+              <a:t>sesuai</a:t>
+            </a:r>
+            <a:r>
+              <a:rPr lang="en-US" dirty="0"/>
+              <a:t> kata </a:t>
+            </a:r>
+            <a:r>
+              <a:rPr lang="en-US" dirty="0" err="1"/>
+              <a:t>kunci</a:t>
+            </a:r>
+            <a:r>
+              <a:rPr lang="en-US" dirty="0"/>
+              <a:t> yang </a:t>
+            </a:r>
+            <a:r>
+              <a:rPr lang="en-US" dirty="0" err="1"/>
+              <a:t>diberikan</a:t>
+            </a:r>
+            <a:r>
+              <a:rPr lang="en-US" dirty="0"/>
+              <a:t> </a:t>
+            </a:r>
+            <a:r>
+              <a:rPr lang="en-US" dirty="0" err="1"/>
+              <a:t>mulai</a:t>
+            </a:r>
+            <a:r>
+              <a:rPr lang="en-US" dirty="0"/>
+              <a:t> </a:t>
+            </a:r>
+            <a:r>
+              <a:rPr lang="en-US" dirty="0" err="1"/>
+              <a:t>dari</a:t>
+            </a:r>
+            <a:r>
+              <a:rPr lang="en-US" dirty="0"/>
+              <a:t> </a:t>
+            </a:r>
+            <a:r>
+              <a:rPr lang="en-US" dirty="0" err="1"/>
+              <a:t>elemen</a:t>
+            </a:r>
+            <a:r>
+              <a:rPr lang="en-US" dirty="0"/>
+              <a:t> </a:t>
+            </a:r>
+            <a:r>
+              <a:rPr lang="en-US" dirty="0" err="1"/>
+              <a:t>awal</a:t>
+            </a:r>
+            <a:r>
+              <a:rPr lang="en-US" dirty="0"/>
+              <a:t> pada array </a:t>
+            </a:r>
+            <a:r>
+              <a:rPr lang="en-US" dirty="0" err="1"/>
+              <a:t>hingga</a:t>
+            </a:r>
+            <a:r>
+              <a:rPr lang="en-US" dirty="0"/>
+              <a:t> </a:t>
+            </a:r>
+            <a:r>
+              <a:rPr lang="en-US" dirty="0" err="1"/>
+              <a:t>elemen</a:t>
+            </a:r>
+            <a:r>
+              <a:rPr lang="en-US" dirty="0"/>
+              <a:t> </a:t>
+            </a:r>
+            <a:r>
+              <a:rPr lang="en-US" dirty="0" err="1"/>
+              <a:t>akhir</a:t>
+            </a:r>
+            <a:r>
+              <a:rPr lang="en-US" dirty="0"/>
+              <a:t> array.</a:t>
+            </a:r>
+            <a:endParaRPr lang="en-GB" dirty="0"/>
+          </a:p>
+        </p:txBody>
+      </p:sp>
+      <p:pic>
+        <p:nvPicPr>
+          <p:cNvPr id="7" name="Picture 6">
+            <a:extLst>
+              <a:ext uri="{FF2B5EF4-FFF2-40B4-BE49-F238E27FC236}">
+                <a16:creationId xmlns:a16="http://schemas.microsoft.com/office/drawing/2014/main" id="{88BD81FE-EAC7-47A1-A197-365C834F60E4}"/>
+              </a:ext>
+            </a:extLst>
+          </p:cNvPr>
+          <p:cNvPicPr>
+            <a:picLocks noChangeAspect="1"/>
+          </p:cNvPicPr>
+          <p:nvPr/>
+        </p:nvPicPr>
+        <p:blipFill>
+          <a:blip r:embed="rId2"/>
+          <a:stretch>
+            <a:fillRect/>
+          </a:stretch>
+        </p:blipFill>
+        <p:spPr>
+          <a:xfrm>
+            <a:off x="3381235" y="3604320"/>
+            <a:ext cx="5429529" cy="2781443"/>
+          </a:xfrm>
+          <a:prstGeom prst="rect">
+            <a:avLst/>
+          </a:prstGeom>
+        </p:spPr>
+      </p:pic>
     </p:spTree>
     <p:extLst>
       <p:ext uri="{BB962C8B-B14F-4D97-AF65-F5344CB8AC3E}">
         <p14:creationId xmlns:p14="http://schemas.microsoft.com/office/powerpoint/2010/main" val="1378023234"/>
+      </p:ext>
+    </p:extLst>
+  </p:cSld>
+  <p:clrMapOvr>
+    <a:masterClrMapping/>
+  </p:clrMapOvr>
+</p:sld>
+</file>
+
+<file path=ppt/slides/slide4.xml><?xml version="1.0" encoding="utf-8"?>
+<p:sld xmlns:a="http://schemas.openxmlformats.org/drawingml/2006/main" xmlns:r="http://schemas.openxmlformats.org/officeDocument/2006/relationships" xmlns:p="http://schemas.openxmlformats.org/presentationml/2006/main">
+  <p:cSld>
+    <p:spTree>
+      <p:nvGrpSpPr>
+        <p:cNvPr id="1" name=""/>
+        <p:cNvGrpSpPr/>
+        <p:nvPr/>
+      </p:nvGrpSpPr>
+      <p:grpSpPr>
+        <a:xfrm>
+          <a:off x="0" y="0"/>
+          <a:ext cx="0" cy="0"/>
+          <a:chOff x="0" y="0"/>
+          <a:chExt cx="0" cy="0"/>
+        </a:xfrm>
+      </p:grpSpPr>
+      <p:sp>
+        <p:nvSpPr>
+          <p:cNvPr id="2" name="Title 1">
+            <a:extLst>
+              <a:ext uri="{FF2B5EF4-FFF2-40B4-BE49-F238E27FC236}">
+                <a16:creationId xmlns:a16="http://schemas.microsoft.com/office/drawing/2014/main" id="{AEA203E8-F82A-4592-A8F1-5489FF5B8400}"/>
+              </a:ext>
+            </a:extLst>
+          </p:cNvPr>
+          <p:cNvSpPr>
+            <a:spLocks noGrp="1"/>
+          </p:cNvSpPr>
+          <p:nvPr>
+            <p:ph type="title"/>
+          </p:nvPr>
+        </p:nvSpPr>
+        <p:spPr/>
+        <p:txBody>
+          <a:bodyPr/>
+          <a:lstStyle/>
+          <a:p>
+            <a:r>
+              <a:rPr lang="en-US" dirty="0"/>
+              <a:t>Test 2</a:t>
+            </a:r>
+          </a:p>
+        </p:txBody>
+      </p:sp>
+      <p:sp>
+        <p:nvSpPr>
+          <p:cNvPr id="3" name="Content Placeholder 2">
+            <a:extLst>
+              <a:ext uri="{FF2B5EF4-FFF2-40B4-BE49-F238E27FC236}">
+                <a16:creationId xmlns:a16="http://schemas.microsoft.com/office/drawing/2014/main" id="{052EA96F-BBB2-43DA-AE2C-09057DD3CEC4}"/>
+              </a:ext>
+            </a:extLst>
+          </p:cNvPr>
+          <p:cNvSpPr>
+            <a:spLocks noGrp="1"/>
+          </p:cNvSpPr>
+          <p:nvPr>
+            <p:ph idx="1"/>
+          </p:nvPr>
+        </p:nvSpPr>
+        <p:spPr/>
+        <p:txBody>
+          <a:bodyPr/>
+          <a:lstStyle/>
+          <a:p>
+            <a:r>
+              <a:rPr lang="en-US" dirty="0" err="1"/>
+              <a:t>Misal</a:t>
+            </a:r>
+            <a:r>
+              <a:rPr lang="en-US" dirty="0"/>
+              <a:t> Array : Andi, Budi, </a:t>
+            </a:r>
+            <a:r>
+              <a:rPr lang="en-US" dirty="0" err="1"/>
+              <a:t>Cinta</a:t>
+            </a:r>
+            <a:endParaRPr lang="en-US" dirty="0"/>
+          </a:p>
+          <a:p>
+            <a:r>
+              <a:rPr lang="en-US" dirty="0" err="1"/>
+              <a:t>Jumlah</a:t>
+            </a:r>
+            <a:r>
+              <a:rPr lang="en-US" dirty="0"/>
+              <a:t> </a:t>
+            </a:r>
+            <a:r>
+              <a:rPr lang="en-US" dirty="0" err="1"/>
+              <a:t>anggota</a:t>
+            </a:r>
+            <a:r>
+              <a:rPr lang="en-US" dirty="0"/>
+              <a:t> Array : 3</a:t>
+            </a:r>
+          </a:p>
+          <a:p>
+            <a:r>
+              <a:rPr lang="en-US" dirty="0" err="1"/>
+              <a:t>Misal</a:t>
+            </a:r>
+            <a:r>
+              <a:rPr lang="en-US" dirty="0"/>
+              <a:t> </a:t>
+            </a:r>
+            <a:r>
+              <a:rPr lang="en-US" dirty="0" err="1"/>
+              <a:t>pengguna</a:t>
+            </a:r>
+            <a:r>
+              <a:rPr lang="en-US" dirty="0"/>
+              <a:t> </a:t>
+            </a:r>
+            <a:r>
+              <a:rPr lang="en-US" dirty="0" err="1"/>
+              <a:t>mengetikan</a:t>
+            </a:r>
+            <a:r>
+              <a:rPr lang="en-US" dirty="0"/>
+              <a:t> kata </a:t>
+            </a:r>
+            <a:r>
+              <a:rPr lang="en-US" dirty="0" err="1"/>
+              <a:t>kunci</a:t>
+            </a:r>
+            <a:r>
+              <a:rPr lang="en-US" dirty="0"/>
+              <a:t> ‘Ci’</a:t>
+            </a:r>
+          </a:p>
+          <a:p>
+            <a:r>
+              <a:rPr lang="en-US" dirty="0" err="1"/>
+              <a:t>Maka</a:t>
+            </a:r>
+            <a:r>
+              <a:rPr lang="en-US" dirty="0"/>
+              <a:t> </a:t>
+            </a:r>
+            <a:r>
+              <a:rPr lang="en-US" dirty="0" err="1"/>
+              <a:t>nanti</a:t>
+            </a:r>
+            <a:r>
+              <a:rPr lang="en-US" dirty="0"/>
+              <a:t> </a:t>
+            </a:r>
+            <a:r>
+              <a:rPr lang="en-US" dirty="0" err="1"/>
+              <a:t>hasil</a:t>
+            </a:r>
+            <a:r>
+              <a:rPr lang="en-US" dirty="0"/>
+              <a:t> </a:t>
+            </a:r>
+            <a:r>
+              <a:rPr lang="en-US" dirty="0" err="1"/>
+              <a:t>pencarian</a:t>
+            </a:r>
+            <a:r>
+              <a:rPr lang="en-US" dirty="0"/>
+              <a:t> yang </a:t>
+            </a:r>
+            <a:r>
+              <a:rPr lang="en-US" dirty="0" err="1"/>
+              <a:t>keluar</a:t>
+            </a:r>
+            <a:r>
+              <a:rPr lang="en-US" dirty="0"/>
+              <a:t> </a:t>
+            </a:r>
+            <a:r>
+              <a:rPr lang="en-US" dirty="0" err="1"/>
+              <a:t>adalah</a:t>
+            </a:r>
+            <a:r>
+              <a:rPr lang="en-US" dirty="0"/>
+              <a:t> ‘</a:t>
+            </a:r>
+            <a:r>
+              <a:rPr lang="en-US" dirty="0" err="1"/>
+              <a:t>Cinta</a:t>
+            </a:r>
+            <a:r>
+              <a:rPr lang="en-US" dirty="0"/>
+              <a:t>’ </a:t>
+            </a:r>
+            <a:r>
+              <a:rPr lang="en-US" dirty="0" err="1"/>
+              <a:t>walaupun</a:t>
+            </a:r>
+            <a:r>
+              <a:rPr lang="en-US" dirty="0"/>
+              <a:t> </a:t>
+            </a:r>
+            <a:r>
+              <a:rPr lang="en-US" dirty="0" err="1"/>
+              <a:t>dengan</a:t>
+            </a:r>
+            <a:r>
+              <a:rPr lang="en-US" dirty="0"/>
+              <a:t> </a:t>
+            </a:r>
+            <a:r>
+              <a:rPr lang="en-US" dirty="0" err="1"/>
+              <a:t>menggunakan</a:t>
+            </a:r>
+            <a:r>
+              <a:rPr lang="en-US" dirty="0"/>
+              <a:t> kata </a:t>
+            </a:r>
+            <a:r>
+              <a:rPr lang="en-US" dirty="0" err="1"/>
+              <a:t>kunci</a:t>
+            </a:r>
+            <a:r>
+              <a:rPr lang="en-US" dirty="0"/>
+              <a:t> ‘Ci’ </a:t>
+            </a:r>
+            <a:r>
+              <a:rPr lang="en-US" dirty="0" err="1"/>
+              <a:t>saja</a:t>
+            </a:r>
+            <a:endParaRPr lang="en-US" dirty="0"/>
+          </a:p>
+          <a:p>
+            <a:endParaRPr lang="en-US" dirty="0"/>
+          </a:p>
+        </p:txBody>
+      </p:sp>
+    </p:spTree>
+    <p:extLst>
+      <p:ext uri="{BB962C8B-B14F-4D97-AF65-F5344CB8AC3E}">
+        <p14:creationId xmlns:p14="http://schemas.microsoft.com/office/powerpoint/2010/main" val="4180874565"/>
+      </p:ext>
+    </p:extLst>
+  </p:cSld>
+  <p:clrMapOvr>
+    <a:masterClrMapping/>
+  </p:clrMapOvr>
+</p:sld>
+</file>
+
+<file path=ppt/slides/slide5.xml><?xml version="1.0" encoding="utf-8"?>
+<p:sld xmlns:a="http://schemas.openxmlformats.org/drawingml/2006/main" xmlns:r="http://schemas.openxmlformats.org/officeDocument/2006/relationships" xmlns:p="http://schemas.openxmlformats.org/presentationml/2006/main">
+  <p:cSld>
+    <p:spTree>
+      <p:nvGrpSpPr>
+        <p:cNvPr id="1" name=""/>
+        <p:cNvGrpSpPr/>
+        <p:nvPr/>
+      </p:nvGrpSpPr>
+      <p:grpSpPr>
+        <a:xfrm>
+          <a:off x="0" y="0"/>
+          <a:ext cx="0" cy="0"/>
+          <a:chOff x="0" y="0"/>
+          <a:chExt cx="0" cy="0"/>
+        </a:xfrm>
+      </p:grpSpPr>
+      <p:sp>
+        <p:nvSpPr>
+          <p:cNvPr id="2" name="Title 1">
+            <a:extLst>
+              <a:ext uri="{FF2B5EF4-FFF2-40B4-BE49-F238E27FC236}">
+                <a16:creationId xmlns:a16="http://schemas.microsoft.com/office/drawing/2014/main" id="{130D17FF-D857-4883-9BCB-F6F80A938E34}"/>
+              </a:ext>
+            </a:extLst>
+          </p:cNvPr>
+          <p:cNvSpPr>
+            <a:spLocks noGrp="1"/>
+          </p:cNvSpPr>
+          <p:nvPr>
+            <p:ph type="title"/>
+          </p:nvPr>
+        </p:nvSpPr>
+        <p:spPr/>
+        <p:txBody>
+          <a:bodyPr/>
+          <a:lstStyle/>
+          <a:p>
+            <a:r>
+              <a:rPr lang="en-US" dirty="0"/>
+              <a:t>Test 3</a:t>
+            </a:r>
+          </a:p>
+        </p:txBody>
+      </p:sp>
+      <p:sp>
+        <p:nvSpPr>
+          <p:cNvPr id="3" name="Content Placeholder 2">
+            <a:extLst>
+              <a:ext uri="{FF2B5EF4-FFF2-40B4-BE49-F238E27FC236}">
+                <a16:creationId xmlns:a16="http://schemas.microsoft.com/office/drawing/2014/main" id="{758E975F-8121-4A0E-B3FD-593449D2A0D7}"/>
+              </a:ext>
+            </a:extLst>
+          </p:cNvPr>
+          <p:cNvSpPr>
+            <a:spLocks noGrp="1"/>
+          </p:cNvSpPr>
+          <p:nvPr>
+            <p:ph idx="1"/>
+          </p:nvPr>
+        </p:nvSpPr>
+        <p:spPr/>
+        <p:txBody>
+          <a:bodyPr/>
+          <a:lstStyle/>
+          <a:p>
+            <a:r>
+              <a:rPr lang="en-US" dirty="0" err="1"/>
+              <a:t>Anggota</a:t>
+            </a:r>
+            <a:r>
+              <a:rPr lang="en-US" dirty="0"/>
+              <a:t> </a:t>
+            </a:r>
+            <a:r>
+              <a:rPr lang="en-US" dirty="0" err="1"/>
+              <a:t>berhasil</a:t>
+            </a:r>
+            <a:r>
+              <a:rPr lang="en-US" dirty="0"/>
+              <a:t> </a:t>
+            </a:r>
+            <a:r>
+              <a:rPr lang="en-US" dirty="0" err="1"/>
+              <a:t>ditemukan</a:t>
+            </a:r>
+            <a:r>
+              <a:rPr lang="en-US" dirty="0"/>
+              <a:t> </a:t>
+            </a:r>
+            <a:r>
+              <a:rPr lang="en-US" dirty="0" err="1"/>
+              <a:t>pakai</a:t>
+            </a:r>
+            <a:r>
+              <a:rPr lang="en-US" dirty="0"/>
+              <a:t> AI (</a:t>
+            </a:r>
+            <a:r>
+              <a:rPr lang="en-US" dirty="0" err="1"/>
+              <a:t>Entah</a:t>
+            </a:r>
+            <a:r>
+              <a:rPr lang="en-US" dirty="0"/>
+              <a:t> </a:t>
+            </a:r>
+            <a:r>
+              <a:rPr lang="en-US" dirty="0" err="1"/>
+              <a:t>bagaimana</a:t>
+            </a:r>
+            <a:r>
+              <a:rPr lang="en-US" dirty="0"/>
+              <a:t>)</a:t>
+            </a:r>
+          </a:p>
+        </p:txBody>
+      </p:sp>
+      <p:pic>
+        <p:nvPicPr>
+          <p:cNvPr id="5" name="Picture 4">
+            <a:extLst>
+              <a:ext uri="{FF2B5EF4-FFF2-40B4-BE49-F238E27FC236}">
+                <a16:creationId xmlns:a16="http://schemas.microsoft.com/office/drawing/2014/main" id="{6DA907CE-4BB7-46BC-8708-237CC59A9F35}"/>
+              </a:ext>
+            </a:extLst>
+          </p:cNvPr>
+          <p:cNvPicPr>
+            <a:picLocks noChangeAspect="1"/>
+          </p:cNvPicPr>
+          <p:nvPr/>
+        </p:nvPicPr>
+        <p:blipFill>
+          <a:blip r:embed="rId2"/>
+          <a:stretch>
+            <a:fillRect/>
+          </a:stretch>
+        </p:blipFill>
+        <p:spPr>
+          <a:xfrm>
+            <a:off x="2101644" y="2927601"/>
+            <a:ext cx="7988711" cy="3041806"/>
+          </a:xfrm>
+          <a:prstGeom prst="rect">
+            <a:avLst/>
+          </a:prstGeom>
+        </p:spPr>
+      </p:pic>
+    </p:spTree>
+    <p:extLst>
+      <p:ext uri="{BB962C8B-B14F-4D97-AF65-F5344CB8AC3E}">
+        <p14:creationId xmlns:p14="http://schemas.microsoft.com/office/powerpoint/2010/main" val="3379788066"/>
+      </p:ext>
+    </p:extLst>
+  </p:cSld>
+  <p:clrMapOvr>
+    <a:masterClrMapping/>
+  </p:clrMapOvr>
+</p:sld>
+</file>
+
+<file path=ppt/slides/slide6.xml><?xml version="1.0" encoding="utf-8"?>
+<p:sld xmlns:a="http://schemas.openxmlformats.org/drawingml/2006/main" xmlns:r="http://schemas.openxmlformats.org/officeDocument/2006/relationships" xmlns:p="http://schemas.openxmlformats.org/presentationml/2006/main">
+  <p:cSld>
+    <p:spTree>
+      <p:nvGrpSpPr>
+        <p:cNvPr id="1" name=""/>
+        <p:cNvGrpSpPr/>
+        <p:nvPr/>
+      </p:nvGrpSpPr>
+      <p:grpSpPr>
+        <a:xfrm>
+          <a:off x="0" y="0"/>
+          <a:ext cx="0" cy="0"/>
+          <a:chOff x="0" y="0"/>
+          <a:chExt cx="0" cy="0"/>
+        </a:xfrm>
+      </p:grpSpPr>
+      <p:sp>
+        <p:nvSpPr>
+          <p:cNvPr id="2" name="Title 1">
+            <a:extLst>
+              <a:ext uri="{FF2B5EF4-FFF2-40B4-BE49-F238E27FC236}">
+                <a16:creationId xmlns:a16="http://schemas.microsoft.com/office/drawing/2014/main" id="{5B4870D5-A02A-4F29-B2CF-1F8F9908753C}"/>
+              </a:ext>
+            </a:extLst>
+          </p:cNvPr>
+          <p:cNvSpPr>
+            <a:spLocks noGrp="1"/>
+          </p:cNvSpPr>
+          <p:nvPr>
+            <p:ph type="title"/>
+          </p:nvPr>
+        </p:nvSpPr>
+        <p:spPr/>
+        <p:txBody>
+          <a:bodyPr/>
+          <a:lstStyle/>
+          <a:p>
+            <a:r>
+              <a:rPr lang="en-US" dirty="0" err="1"/>
+              <a:t>Referensi</a:t>
+            </a:r>
+            <a:r>
+              <a:rPr lang="en-US" dirty="0"/>
+              <a:t> 2</a:t>
+            </a:r>
+          </a:p>
+        </p:txBody>
+      </p:sp>
+      <p:sp>
+        <p:nvSpPr>
+          <p:cNvPr id="3" name="Content Placeholder 2">
+            <a:extLst>
+              <a:ext uri="{FF2B5EF4-FFF2-40B4-BE49-F238E27FC236}">
+                <a16:creationId xmlns:a16="http://schemas.microsoft.com/office/drawing/2014/main" id="{82A1664C-92D6-4E2A-90B4-D36EC23BC721}"/>
+              </a:ext>
+            </a:extLst>
+          </p:cNvPr>
+          <p:cNvSpPr>
+            <a:spLocks noGrp="1"/>
+          </p:cNvSpPr>
+          <p:nvPr>
+            <p:ph idx="1"/>
+          </p:nvPr>
+        </p:nvSpPr>
+        <p:spPr/>
+        <p:txBody>
+          <a:bodyPr/>
+          <a:lstStyle/>
+          <a:p>
+            <a:r>
+              <a:rPr lang="en-US" dirty="0"/>
+              <a:t>https://scanftree.com/programs/c/sequential-search-programs-in-c/</a:t>
+            </a:r>
+          </a:p>
+        </p:txBody>
+      </p:sp>
+      <p:pic>
+        <p:nvPicPr>
+          <p:cNvPr id="5" name="Picture 4">
+            <a:extLst>
+              <a:ext uri="{FF2B5EF4-FFF2-40B4-BE49-F238E27FC236}">
+                <a16:creationId xmlns:a16="http://schemas.microsoft.com/office/drawing/2014/main" id="{A77325AF-571D-457B-BC94-B672057BD2AD}"/>
+              </a:ext>
+            </a:extLst>
+          </p:cNvPr>
+          <p:cNvPicPr>
+            <a:picLocks noChangeAspect="1"/>
+          </p:cNvPicPr>
+          <p:nvPr/>
+        </p:nvPicPr>
+        <p:blipFill>
+          <a:blip r:embed="rId2"/>
+          <a:stretch>
+            <a:fillRect/>
+          </a:stretch>
+        </p:blipFill>
+        <p:spPr>
+          <a:xfrm>
+            <a:off x="2769532" y="2374698"/>
+            <a:ext cx="6337626" cy="3937202"/>
+          </a:xfrm>
+          <a:prstGeom prst="rect">
+            <a:avLst/>
+          </a:prstGeom>
+        </p:spPr>
+      </p:pic>
+    </p:spTree>
+    <p:extLst>
+      <p:ext uri="{BB962C8B-B14F-4D97-AF65-F5344CB8AC3E}">
+        <p14:creationId xmlns:p14="http://schemas.microsoft.com/office/powerpoint/2010/main" val="3494317199"/>
       </p:ext>
     </p:extLst>
   </p:cSld>
